--- a/shell/presentations/08_wake_up.pptx
+++ b/shell/presentations/08_wake_up.pptx
@@ -264,7 +264,7 @@
               <a:pPr>
                 <a:defRPr/>
               </a:pPr>
-              <a:t>10/9/2018</a:t>
+              <a:t>10/12/2018</a:t>
             </a:fld>
             <a:endParaRPr lang="en-US" altLang="en-US"/>
           </a:p>
@@ -461,7 +461,7 @@
               <a:pPr>
                 <a:defRPr/>
               </a:pPr>
-              <a:t>10/9/2018</a:t>
+              <a:t>10/12/2018</a:t>
             </a:fld>
             <a:endParaRPr lang="en-US" altLang="en-US"/>
           </a:p>
@@ -1298,7 +1298,7 @@
               <a:pPr>
                 <a:defRPr/>
               </a:pPr>
-              <a:t>10/9/2018</a:t>
+              <a:t>10/12/2018</a:t>
             </a:fld>
             <a:endParaRPr lang="en-US" altLang="en-US"/>
           </a:p>
@@ -1535,7 +1535,7 @@
               <a:pPr>
                 <a:defRPr/>
               </a:pPr>
-              <a:t>10/9/2018</a:t>
+              <a:t>10/12/2018</a:t>
             </a:fld>
             <a:endParaRPr lang="en-US" altLang="en-US"/>
           </a:p>
@@ -2256,7 +2256,7 @@
               <a:pPr>
                 <a:defRPr/>
               </a:pPr>
-              <a:t>10/9/2018</a:t>
+              <a:t>10/12/2018</a:t>
             </a:fld>
             <a:endParaRPr lang="en-US" altLang="en-US"/>
           </a:p>
@@ -3427,44 +3427,52 @@
           <a:lstStyle/>
           <a:p>
             <a:r>
-              <a:rPr lang="en-US" altLang="en-US" smtClean="0"/>
-              <a:t>To move run the file system – </a:t>
-            </a:r>
-            <a:r>
-              <a:rPr lang="en-US" altLang="en-US" smtClean="0">
+              <a:rPr lang="en-US" altLang="en-US" dirty="0" smtClean="0"/>
+              <a:t>To move </a:t>
+            </a:r>
+            <a:r>
+              <a:rPr lang="en-US" altLang="en-US" dirty="0" smtClean="0"/>
+              <a:t>around </a:t>
+            </a:r>
+            <a:r>
+              <a:rPr lang="en-US" altLang="en-US" dirty="0" smtClean="0"/>
+              <a:t>the file system – </a:t>
+            </a:r>
+            <a:r>
+              <a:rPr lang="en-US" altLang="en-US" dirty="0" err="1" smtClean="0">
                 <a:latin typeface="Courier New" panose="02070309020205020404" pitchFamily="49" charset="0"/>
                 <a:cs typeface="Courier New" panose="02070309020205020404" pitchFamily="49" charset="0"/>
               </a:rPr>
               <a:t>pwd</a:t>
             </a:r>
             <a:r>
-              <a:rPr lang="en-US" altLang="en-US" smtClean="0"/>
+              <a:rPr lang="en-US" altLang="en-US" dirty="0" smtClean="0"/>
               <a:t>, </a:t>
             </a:r>
             <a:r>
-              <a:rPr lang="en-US" altLang="en-US" smtClean="0">
+              <a:rPr lang="en-US" altLang="en-US" dirty="0" smtClean="0">
                 <a:latin typeface="Courier New" panose="02070309020205020404" pitchFamily="49" charset="0"/>
                 <a:cs typeface="Courier New" panose="02070309020205020404" pitchFamily="49" charset="0"/>
               </a:rPr>
               <a:t>cd</a:t>
             </a:r>
             <a:r>
-              <a:rPr lang="en-US" altLang="en-US" smtClean="0"/>
+              <a:rPr lang="en-US" altLang="en-US" dirty="0" smtClean="0"/>
               <a:t>, </a:t>
             </a:r>
             <a:r>
-              <a:rPr lang="en-US" altLang="en-US" smtClean="0">
+              <a:rPr lang="en-US" altLang="en-US" dirty="0" err="1" smtClean="0">
                 <a:latin typeface="Courier New" panose="02070309020205020404" pitchFamily="49" charset="0"/>
                 <a:cs typeface="Courier New" panose="02070309020205020404" pitchFamily="49" charset="0"/>
               </a:rPr>
               <a:t>cp</a:t>
             </a:r>
             <a:r>
-              <a:rPr lang="en-US" altLang="en-US" smtClean="0"/>
+              <a:rPr lang="en-US" altLang="en-US" dirty="0" smtClean="0"/>
               <a:t>, </a:t>
             </a:r>
             <a:r>
-              <a:rPr lang="en-US" altLang="en-US" smtClean="0">
+              <a:rPr lang="en-US" altLang="en-US" dirty="0" smtClean="0">
                 <a:latin typeface="Courier New" panose="02070309020205020404" pitchFamily="49" charset="0"/>
                 <a:cs typeface="Courier New" panose="02070309020205020404" pitchFamily="49" charset="0"/>
               </a:rPr>
@@ -3473,105 +3481,117 @@
           </a:p>
           <a:p>
             <a:r>
-              <a:rPr lang="en-US" altLang="en-US" smtClean="0"/>
+              <a:rPr lang="en-US" altLang="en-US" dirty="0" smtClean="0"/>
               <a:t>To use pipes and filters - </a:t>
             </a:r>
             <a:r>
-              <a:rPr lang="en-US" altLang="en-US" smtClean="0">
+              <a:rPr lang="en-US" altLang="en-US" dirty="0" smtClean="0">
                 <a:latin typeface="Courier New" panose="02070309020205020404" pitchFamily="49" charset="0"/>
                 <a:cs typeface="Courier New" panose="02070309020205020404" pitchFamily="49" charset="0"/>
               </a:rPr>
               <a:t>|</a:t>
             </a:r>
             <a:r>
-              <a:rPr lang="en-US" altLang="en-US" smtClean="0"/>
+              <a:rPr lang="en-US" altLang="en-US" dirty="0" smtClean="0"/>
               <a:t>, </a:t>
             </a:r>
             <a:r>
-              <a:rPr lang="en-US" altLang="en-US" smtClean="0">
+              <a:rPr lang="en-US" altLang="en-US" dirty="0" smtClean="0">
                 <a:latin typeface="Courier New" panose="02070309020205020404" pitchFamily="49" charset="0"/>
                 <a:cs typeface="Courier New" panose="02070309020205020404" pitchFamily="49" charset="0"/>
               </a:rPr>
               <a:t>sort</a:t>
             </a:r>
             <a:r>
-              <a:rPr lang="en-US" altLang="en-US" smtClean="0"/>
+              <a:rPr lang="en-US" altLang="en-US" dirty="0" smtClean="0"/>
               <a:t>, </a:t>
             </a:r>
             <a:r>
-              <a:rPr lang="en-US" altLang="en-US" smtClean="0">
+              <a:rPr lang="en-US" altLang="en-US" dirty="0" err="1" smtClean="0">
                 <a:latin typeface="Courier New" panose="02070309020205020404" pitchFamily="49" charset="0"/>
                 <a:cs typeface="Courier New" panose="02070309020205020404" pitchFamily="49" charset="0"/>
               </a:rPr>
               <a:t>wc</a:t>
             </a:r>
-          </a:p>
-          <a:p>
-            <a:r>
-              <a:rPr lang="en-US" altLang="en-US" smtClean="0"/>
+            <a:endParaRPr lang="en-US" altLang="en-US" dirty="0" smtClean="0">
+              <a:latin typeface="Courier New" panose="02070309020205020404" pitchFamily="49" charset="0"/>
+              <a:cs typeface="Courier New" panose="02070309020205020404" pitchFamily="49" charset="0"/>
+            </a:endParaRPr>
+          </a:p>
+          <a:p>
+            <a:r>
+              <a:rPr lang="en-US" altLang="en-US" dirty="0" smtClean="0"/>
               <a:t>To use file permissions – </a:t>
             </a:r>
             <a:r>
-              <a:rPr lang="en-US" altLang="en-US" smtClean="0">
+              <a:rPr lang="en-US" altLang="en-US" dirty="0" err="1" smtClean="0">
                 <a:latin typeface="Courier New" panose="02070309020205020404" pitchFamily="49" charset="0"/>
                 <a:cs typeface="Courier New" panose="02070309020205020404" pitchFamily="49" charset="0"/>
               </a:rPr>
               <a:t>chmod</a:t>
             </a:r>
-          </a:p>
-          <a:p>
-            <a:r>
-              <a:rPr lang="en-US" altLang="en-US" smtClean="0"/>
+            <a:endParaRPr lang="en-US" altLang="en-US" dirty="0" smtClean="0">
+              <a:latin typeface="Courier New" panose="02070309020205020404" pitchFamily="49" charset="0"/>
+              <a:cs typeface="Courier New" panose="02070309020205020404" pitchFamily="49" charset="0"/>
+            </a:endParaRPr>
+          </a:p>
+          <a:p>
+            <a:r>
+              <a:rPr lang="en-US" altLang="en-US" dirty="0" smtClean="0"/>
               <a:t>To find stuff – </a:t>
             </a:r>
             <a:r>
-              <a:rPr lang="en-US" altLang="en-US" smtClean="0">
+              <a:rPr lang="en-US" altLang="en-US" dirty="0" smtClean="0">
                 <a:latin typeface="Courier New" panose="02070309020205020404" pitchFamily="49" charset="0"/>
                 <a:cs typeface="Courier New" panose="02070309020205020404" pitchFamily="49" charset="0"/>
               </a:rPr>
               <a:t>find</a:t>
             </a:r>
             <a:r>
-              <a:rPr lang="en-US" altLang="en-US" smtClean="0"/>
+              <a:rPr lang="en-US" altLang="en-US" dirty="0" smtClean="0"/>
               <a:t>, </a:t>
             </a:r>
             <a:r>
-              <a:rPr lang="en-US" altLang="en-US" smtClean="0">
+              <a:rPr lang="en-US" altLang="en-US" dirty="0" err="1" smtClean="0">
                 <a:latin typeface="Courier New" panose="02070309020205020404" pitchFamily="49" charset="0"/>
                 <a:cs typeface="Courier New" panose="02070309020205020404" pitchFamily="49" charset="0"/>
               </a:rPr>
               <a:t>grep</a:t>
             </a:r>
-          </a:p>
-          <a:p>
-            <a:r>
-              <a:rPr lang="en-US" altLang="en-US" smtClean="0"/>
+            <a:endParaRPr lang="en-US" altLang="en-US" dirty="0" smtClean="0">
+              <a:latin typeface="Courier New" panose="02070309020205020404" pitchFamily="49" charset="0"/>
+              <a:cs typeface="Courier New" panose="02070309020205020404" pitchFamily="49" charset="0"/>
+            </a:endParaRPr>
+          </a:p>
+          <a:p>
+            <a:r>
+              <a:rPr lang="en-US" altLang="en-US" dirty="0" smtClean="0"/>
               <a:t>To run jobs at the same time – </a:t>
             </a:r>
             <a:r>
-              <a:rPr lang="en-US" altLang="en-US" smtClean="0">
+              <a:rPr lang="en-US" altLang="en-US" dirty="0" err="1" smtClean="0">
                 <a:latin typeface="Courier New" panose="02070309020205020404" pitchFamily="49" charset="0"/>
                 <a:cs typeface="Courier New" panose="02070309020205020404" pitchFamily="49" charset="0"/>
               </a:rPr>
               <a:t>bg</a:t>
             </a:r>
             <a:r>
-              <a:rPr lang="en-US" altLang="en-US" smtClean="0"/>
+              <a:rPr lang="en-US" altLang="en-US" dirty="0" smtClean="0"/>
               <a:t>, </a:t>
             </a:r>
             <a:r>
-              <a:rPr lang="en-US" altLang="en-US" smtClean="0">
+              <a:rPr lang="en-US" altLang="en-US" dirty="0" err="1" smtClean="0">
                 <a:latin typeface="Courier New" panose="02070309020205020404" pitchFamily="49" charset="0"/>
                 <a:cs typeface="Courier New" panose="02070309020205020404" pitchFamily="49" charset="0"/>
               </a:rPr>
               <a:t>fg</a:t>
             </a:r>
             <a:r>
-              <a:rPr lang="en-US" altLang="en-US" smtClean="0"/>
+              <a:rPr lang="en-US" altLang="en-US" dirty="0" smtClean="0"/>
               <a:t>, </a:t>
             </a:r>
             <a:r>
-              <a:rPr lang="en-US" altLang="en-US" smtClean="0">
+              <a:rPr lang="en-US" altLang="en-US" dirty="0" smtClean="0">
                 <a:latin typeface="Courier New" panose="02070309020205020404" pitchFamily="49" charset="0"/>
                 <a:cs typeface="Courier New" panose="02070309020205020404" pitchFamily="49" charset="0"/>
               </a:rPr>
@@ -3580,22 +3600,22 @@
           </a:p>
           <a:p>
             <a:r>
-              <a:rPr lang="en-US" altLang="en-US" smtClean="0"/>
+              <a:rPr lang="en-US" altLang="en-US" dirty="0" smtClean="0"/>
               <a:t>To make variables – </a:t>
             </a:r>
             <a:r>
-              <a:rPr lang="en-US" altLang="en-US" smtClean="0">
+              <a:rPr lang="en-US" altLang="en-US" dirty="0" smtClean="0">
                 <a:latin typeface="Courier New" panose="02070309020205020404" pitchFamily="49" charset="0"/>
                 <a:cs typeface="Courier New" panose="02070309020205020404" pitchFamily="49" charset="0"/>
               </a:rPr>
               <a:t>export</a:t>
             </a:r>
             <a:r>
-              <a:rPr lang="en-US" altLang="en-US" smtClean="0"/>
+              <a:rPr lang="en-US" altLang="en-US" dirty="0" smtClean="0"/>
               <a:t>, </a:t>
             </a:r>
             <a:r>
-              <a:rPr lang="en-US" altLang="en-US" smtClean="0">
+              <a:rPr lang="en-US" altLang="en-US" dirty="0" smtClean="0">
                 <a:latin typeface="Courier New" panose="02070309020205020404" pitchFamily="49" charset="0"/>
                 <a:cs typeface="Courier New" panose="02070309020205020404" pitchFamily="49" charset="0"/>
               </a:rPr>
@@ -3603,10 +3623,10 @@
             </a:r>
           </a:p>
           <a:p>
-            <a:endParaRPr lang="en-US" altLang="en-US" smtClean="0"/>
-          </a:p>
-          <a:p>
-            <a:endParaRPr lang="en-US" altLang="en-US" smtClean="0"/>
+            <a:endParaRPr lang="en-US" altLang="en-US" dirty="0" smtClean="0"/>
+          </a:p>
+          <a:p>
+            <a:endParaRPr lang="en-US" altLang="en-US" dirty="0" smtClean="0"/>
           </a:p>
         </p:txBody>
       </p:sp>
